--- a/redux.pptx
+++ b/redux.pptx
@@ -18,6 +18,15 @@
     <p:sldId id="266" r:id="rId12"/>
     <p:sldId id="267" r:id="rId13"/>
     <p:sldId id="268" r:id="rId14"/>
+    <p:sldId id="269" r:id="rId15"/>
+    <p:sldId id="278" r:id="rId16"/>
+    <p:sldId id="270" r:id="rId17"/>
+    <p:sldId id="271" r:id="rId18"/>
+    <p:sldId id="272" r:id="rId19"/>
+    <p:sldId id="273" r:id="rId20"/>
+    <p:sldId id="274" r:id="rId21"/>
+    <p:sldId id="275" r:id="rId22"/>
+    <p:sldId id="276" r:id="rId23"/>
   </p:sldIdLst>
   <p:sldSz cx="12192000" cy="6858000"/>
   <p:notesSz cx="6858000" cy="9144000"/>
@@ -3419,7 +3428,7 @@
         </p:blipFill>
         <p:spPr>
           <a:xfrm>
-            <a:off x="3254588" y="1123713"/>
+            <a:off x="3507292" y="1719287"/>
             <a:ext cx="8385275" cy="1584318"/>
           </a:xfrm>
           <a:prstGeom prst="rect">
@@ -3476,7 +3485,7 @@
         </p:nvSpPr>
         <p:spPr>
           <a:xfrm>
-            <a:off x="621323" y="3429000"/>
+            <a:off x="341500" y="939047"/>
             <a:ext cx="5940537" cy="369332"/>
           </a:xfrm>
           <a:prstGeom prst="rect">
@@ -3497,6 +3506,85 @@
           </a:p>
         </p:txBody>
       </p:sp>
+      <p:sp>
+        <p:nvSpPr>
+          <p:cNvPr id="6" name="TextBox 5">
+            <a:extLst>
+              <a:ext uri="{FF2B5EF4-FFF2-40B4-BE49-F238E27FC236}">
+                <a16:creationId xmlns:a16="http://schemas.microsoft.com/office/drawing/2014/main" id="{84770462-D41D-D75D-2A41-E5184F28EEE0}"/>
+              </a:ext>
+            </a:extLst>
+          </p:cNvPr>
+          <p:cNvSpPr txBox="1"/>
+          <p:nvPr/>
+        </p:nvSpPr>
+        <p:spPr>
+          <a:xfrm>
+            <a:off x="341500" y="3429000"/>
+            <a:ext cx="4771292" cy="646331"/>
+          </a:xfrm>
+          <a:prstGeom prst="rect">
+            <a:avLst/>
+          </a:prstGeom>
+          <a:noFill/>
+        </p:spPr>
+        <p:txBody>
+          <a:bodyPr wrap="square" rtlCol="0">
+            <a:spAutoFit/>
+          </a:bodyPr>
+          <a:lstStyle/>
+          <a:p>
+            <a:r>
+              <a:rPr lang="en-US" dirty="0" err="1"/>
+              <a:t>useSelector</a:t>
+            </a:r>
+            <a:r>
+              <a:rPr lang="en-US" dirty="0"/>
+              <a:t> for getting a state</a:t>
+            </a:r>
+          </a:p>
+          <a:p>
+            <a:r>
+              <a:rPr lang="en-US" dirty="0" err="1"/>
+              <a:t>useDispatch</a:t>
+            </a:r>
+            <a:r>
+              <a:rPr lang="en-US" dirty="0"/>
+              <a:t> for affecting a state</a:t>
+            </a:r>
+          </a:p>
+        </p:txBody>
+      </p:sp>
+      <p:pic>
+        <p:nvPicPr>
+          <p:cNvPr id="8" name="Picture 7">
+            <a:extLst>
+              <a:ext uri="{FF2B5EF4-FFF2-40B4-BE49-F238E27FC236}">
+                <a16:creationId xmlns:a16="http://schemas.microsoft.com/office/drawing/2014/main" id="{68F2FA87-962B-9869-DC0F-D5567FB8C5BB}"/>
+              </a:ext>
+            </a:extLst>
+          </p:cNvPr>
+          <p:cNvPicPr>
+            <a:picLocks noChangeAspect="1"/>
+          </p:cNvPicPr>
+          <p:nvPr/>
+        </p:nvPicPr>
+        <p:blipFill>
+          <a:blip r:embed="rId3"/>
+          <a:stretch>
+            <a:fillRect/>
+          </a:stretch>
+        </p:blipFill>
+        <p:spPr>
+          <a:xfrm>
+            <a:off x="2072274" y="4700809"/>
+            <a:ext cx="9670196" cy="1218144"/>
+          </a:xfrm>
+          <a:prstGeom prst="rect">
+            <a:avLst/>
+          </a:prstGeom>
+        </p:spPr>
+      </p:pic>
     </p:spTree>
     <p:extLst>
       <p:ext uri="{BB962C8B-B14F-4D97-AF65-F5344CB8AC3E}">
@@ -3527,6 +3615,209 @@
           <a:chExt cx="0" cy="0"/>
         </a:xfrm>
       </p:grpSpPr>
+      <p:sp>
+        <p:nvSpPr>
+          <p:cNvPr id="2" name="TextBox 1">
+            <a:extLst>
+              <a:ext uri="{FF2B5EF4-FFF2-40B4-BE49-F238E27FC236}">
+                <a16:creationId xmlns:a16="http://schemas.microsoft.com/office/drawing/2014/main" id="{C251D4E1-C870-A6BD-4E67-81BB053B3446}"/>
+              </a:ext>
+            </a:extLst>
+          </p:cNvPr>
+          <p:cNvSpPr txBox="1"/>
+          <p:nvPr/>
+        </p:nvSpPr>
+        <p:spPr>
+          <a:xfrm>
+            <a:off x="175846" y="246185"/>
+            <a:ext cx="3331446" cy="461665"/>
+          </a:xfrm>
+          <a:prstGeom prst="rect">
+            <a:avLst/>
+          </a:prstGeom>
+          <a:noFill/>
+        </p:spPr>
+        <p:txBody>
+          <a:bodyPr wrap="square" rtlCol="0">
+            <a:spAutoFit/>
+          </a:bodyPr>
+          <a:lstStyle/>
+          <a:p>
+            <a:r>
+              <a:rPr lang="en-US" sz="2400" dirty="0"/>
+              <a:t>using </a:t>
+            </a:r>
+          </a:p>
+        </p:txBody>
+      </p:sp>
+      <p:pic>
+        <p:nvPicPr>
+          <p:cNvPr id="6" name="Picture 5">
+            <a:extLst>
+              <a:ext uri="{FF2B5EF4-FFF2-40B4-BE49-F238E27FC236}">
+                <a16:creationId xmlns:a16="http://schemas.microsoft.com/office/drawing/2014/main" id="{37A9B4D4-5292-B224-BF27-AF962452F223}"/>
+              </a:ext>
+            </a:extLst>
+          </p:cNvPr>
+          <p:cNvPicPr>
+            <a:picLocks noChangeAspect="1"/>
+          </p:cNvPicPr>
+          <p:nvPr/>
+        </p:nvPicPr>
+        <p:blipFill>
+          <a:blip r:embed="rId2"/>
+          <a:stretch>
+            <a:fillRect/>
+          </a:stretch>
+        </p:blipFill>
+        <p:spPr>
+          <a:xfrm>
+            <a:off x="3387657" y="981109"/>
+            <a:ext cx="8640220" cy="5630706"/>
+          </a:xfrm>
+          <a:prstGeom prst="rect">
+            <a:avLst/>
+          </a:prstGeom>
+        </p:spPr>
+      </p:pic>
+      <p:sp>
+        <p:nvSpPr>
+          <p:cNvPr id="7" name="Arrow: Right 6">
+            <a:extLst>
+              <a:ext uri="{FF2B5EF4-FFF2-40B4-BE49-F238E27FC236}">
+                <a16:creationId xmlns:a16="http://schemas.microsoft.com/office/drawing/2014/main" id="{66E8B653-0809-2C2C-443A-1393D9BCF6E1}"/>
+              </a:ext>
+            </a:extLst>
+          </p:cNvPr>
+          <p:cNvSpPr/>
+          <p:nvPr/>
+        </p:nvSpPr>
+        <p:spPr>
+          <a:xfrm>
+            <a:off x="1594338" y="1348154"/>
+            <a:ext cx="2121565" cy="1008185"/>
+          </a:xfrm>
+          <a:prstGeom prst="rightArrow">
+            <a:avLst/>
+          </a:prstGeom>
+        </p:spPr>
+        <p:style>
+          <a:lnRef idx="2">
+            <a:schemeClr val="accent1">
+              <a:shade val="15000"/>
+            </a:schemeClr>
+          </a:lnRef>
+          <a:fillRef idx="1">
+            <a:schemeClr val="accent1"/>
+          </a:fillRef>
+          <a:effectRef idx="0">
+            <a:schemeClr val="accent1"/>
+          </a:effectRef>
+          <a:fontRef idx="minor">
+            <a:schemeClr val="lt1"/>
+          </a:fontRef>
+        </p:style>
+        <p:txBody>
+          <a:bodyPr rtlCol="0" anchor="ctr"/>
+          <a:lstStyle/>
+          <a:p>
+            <a:pPr algn="ctr"/>
+            <a:endParaRPr lang="en-US"/>
+          </a:p>
+        </p:txBody>
+      </p:sp>
+      <p:sp>
+        <p:nvSpPr>
+          <p:cNvPr id="8" name="Arrow: Right 7">
+            <a:extLst>
+              <a:ext uri="{FF2B5EF4-FFF2-40B4-BE49-F238E27FC236}">
+                <a16:creationId xmlns:a16="http://schemas.microsoft.com/office/drawing/2014/main" id="{8A8FE855-4D3E-356F-8825-0EB1224F59B9}"/>
+              </a:ext>
+            </a:extLst>
+          </p:cNvPr>
+          <p:cNvSpPr/>
+          <p:nvPr/>
+        </p:nvSpPr>
+        <p:spPr>
+          <a:xfrm>
+            <a:off x="1688122" y="2924907"/>
+            <a:ext cx="2121565" cy="1008185"/>
+          </a:xfrm>
+          <a:prstGeom prst="rightArrow">
+            <a:avLst/>
+          </a:prstGeom>
+        </p:spPr>
+        <p:style>
+          <a:lnRef idx="2">
+            <a:schemeClr val="accent1">
+              <a:shade val="15000"/>
+            </a:schemeClr>
+          </a:lnRef>
+          <a:fillRef idx="1">
+            <a:schemeClr val="accent1"/>
+          </a:fillRef>
+          <a:effectRef idx="0">
+            <a:schemeClr val="accent1"/>
+          </a:effectRef>
+          <a:fontRef idx="minor">
+            <a:schemeClr val="lt1"/>
+          </a:fontRef>
+        </p:style>
+        <p:txBody>
+          <a:bodyPr rtlCol="0" anchor="ctr"/>
+          <a:lstStyle/>
+          <a:p>
+            <a:pPr algn="ctr"/>
+            <a:endParaRPr lang="en-US"/>
+          </a:p>
+        </p:txBody>
+      </p:sp>
+      <p:sp>
+        <p:nvSpPr>
+          <p:cNvPr id="9" name="Arrow: Right 8">
+            <a:extLst>
+              <a:ext uri="{FF2B5EF4-FFF2-40B4-BE49-F238E27FC236}">
+                <a16:creationId xmlns:a16="http://schemas.microsoft.com/office/drawing/2014/main" id="{33BB4BCE-8B61-ED45-8BCB-D405E7EF747D}"/>
+              </a:ext>
+            </a:extLst>
+          </p:cNvPr>
+          <p:cNvSpPr/>
+          <p:nvPr/>
+        </p:nvSpPr>
+        <p:spPr>
+          <a:xfrm>
+            <a:off x="1594338" y="3997567"/>
+            <a:ext cx="2121565" cy="1008185"/>
+          </a:xfrm>
+          <a:prstGeom prst="rightArrow">
+            <a:avLst/>
+          </a:prstGeom>
+        </p:spPr>
+        <p:style>
+          <a:lnRef idx="2">
+            <a:schemeClr val="accent1">
+              <a:shade val="15000"/>
+            </a:schemeClr>
+          </a:lnRef>
+          <a:fillRef idx="1">
+            <a:schemeClr val="accent1"/>
+          </a:fillRef>
+          <a:effectRef idx="0">
+            <a:schemeClr val="accent1"/>
+          </a:effectRef>
+          <a:fontRef idx="minor">
+            <a:schemeClr val="lt1"/>
+          </a:fontRef>
+        </p:style>
+        <p:txBody>
+          <a:bodyPr rtlCol="0" anchor="ctr"/>
+          <a:lstStyle/>
+          <a:p>
+            <a:pPr algn="ctr"/>
+            <a:endParaRPr lang="en-US"/>
+          </a:p>
+        </p:txBody>
+      </p:sp>
     </p:spTree>
     <p:extLst>
       <p:ext uri="{BB962C8B-B14F-4D97-AF65-F5344CB8AC3E}">
@@ -3557,6 +3848,209 @@
           <a:chExt cx="0" cy="0"/>
         </a:xfrm>
       </p:grpSpPr>
+      <p:pic>
+        <p:nvPicPr>
+          <p:cNvPr id="3" name="Picture 2">
+            <a:extLst>
+              <a:ext uri="{FF2B5EF4-FFF2-40B4-BE49-F238E27FC236}">
+                <a16:creationId xmlns:a16="http://schemas.microsoft.com/office/drawing/2014/main" id="{B520A9A1-C2E8-3812-93F1-D4E22F7A14AE}"/>
+              </a:ext>
+            </a:extLst>
+          </p:cNvPr>
+          <p:cNvPicPr>
+            <a:picLocks noChangeAspect="1"/>
+          </p:cNvPicPr>
+          <p:nvPr/>
+        </p:nvPicPr>
+        <p:blipFill>
+          <a:blip r:embed="rId2"/>
+          <a:stretch>
+            <a:fillRect/>
+          </a:stretch>
+        </p:blipFill>
+        <p:spPr>
+          <a:xfrm>
+            <a:off x="3443801" y="1107945"/>
+            <a:ext cx="8577869" cy="5585932"/>
+          </a:xfrm>
+          <a:prstGeom prst="rect">
+            <a:avLst/>
+          </a:prstGeom>
+        </p:spPr>
+      </p:pic>
+      <p:sp>
+        <p:nvSpPr>
+          <p:cNvPr id="4" name="Arrow: Right 3">
+            <a:extLst>
+              <a:ext uri="{FF2B5EF4-FFF2-40B4-BE49-F238E27FC236}">
+                <a16:creationId xmlns:a16="http://schemas.microsoft.com/office/drawing/2014/main" id="{945F7564-ACE9-7921-BD2F-38ECBF2BF1AE}"/>
+              </a:ext>
+            </a:extLst>
+          </p:cNvPr>
+          <p:cNvSpPr/>
+          <p:nvPr/>
+        </p:nvSpPr>
+        <p:spPr>
+          <a:xfrm>
+            <a:off x="1688123" y="1107945"/>
+            <a:ext cx="2121565" cy="1008185"/>
+          </a:xfrm>
+          <a:prstGeom prst="rightArrow">
+            <a:avLst/>
+          </a:prstGeom>
+        </p:spPr>
+        <p:style>
+          <a:lnRef idx="2">
+            <a:schemeClr val="accent1">
+              <a:shade val="15000"/>
+            </a:schemeClr>
+          </a:lnRef>
+          <a:fillRef idx="1">
+            <a:schemeClr val="accent1"/>
+          </a:fillRef>
+          <a:effectRef idx="0">
+            <a:schemeClr val="accent1"/>
+          </a:effectRef>
+          <a:fontRef idx="minor">
+            <a:schemeClr val="lt1"/>
+          </a:fontRef>
+        </p:style>
+        <p:txBody>
+          <a:bodyPr rtlCol="0" anchor="ctr"/>
+          <a:lstStyle/>
+          <a:p>
+            <a:pPr algn="ctr"/>
+            <a:endParaRPr lang="en-US"/>
+          </a:p>
+        </p:txBody>
+      </p:sp>
+      <p:sp>
+        <p:nvSpPr>
+          <p:cNvPr id="5" name="Arrow: Right 4">
+            <a:extLst>
+              <a:ext uri="{FF2B5EF4-FFF2-40B4-BE49-F238E27FC236}">
+                <a16:creationId xmlns:a16="http://schemas.microsoft.com/office/drawing/2014/main" id="{2F828E6A-7536-5B59-0CBB-AAF6BF023088}"/>
+              </a:ext>
+            </a:extLst>
+          </p:cNvPr>
+          <p:cNvSpPr/>
+          <p:nvPr/>
+        </p:nvSpPr>
+        <p:spPr>
+          <a:xfrm>
+            <a:off x="1688122" y="2807904"/>
+            <a:ext cx="2121565" cy="1008185"/>
+          </a:xfrm>
+          <a:prstGeom prst="rightArrow">
+            <a:avLst/>
+          </a:prstGeom>
+        </p:spPr>
+        <p:style>
+          <a:lnRef idx="2">
+            <a:schemeClr val="accent1">
+              <a:shade val="15000"/>
+            </a:schemeClr>
+          </a:lnRef>
+          <a:fillRef idx="1">
+            <a:schemeClr val="accent1"/>
+          </a:fillRef>
+          <a:effectRef idx="0">
+            <a:schemeClr val="accent1"/>
+          </a:effectRef>
+          <a:fontRef idx="minor">
+            <a:schemeClr val="lt1"/>
+          </a:fontRef>
+        </p:style>
+        <p:txBody>
+          <a:bodyPr rtlCol="0" anchor="ctr"/>
+          <a:lstStyle/>
+          <a:p>
+            <a:pPr algn="ctr"/>
+            <a:endParaRPr lang="en-US"/>
+          </a:p>
+        </p:txBody>
+      </p:sp>
+      <p:sp>
+        <p:nvSpPr>
+          <p:cNvPr id="6" name="Arrow: Right 5">
+            <a:extLst>
+              <a:ext uri="{FF2B5EF4-FFF2-40B4-BE49-F238E27FC236}">
+                <a16:creationId xmlns:a16="http://schemas.microsoft.com/office/drawing/2014/main" id="{2829D014-7C41-B88E-C852-A19B3218C18B}"/>
+              </a:ext>
+            </a:extLst>
+          </p:cNvPr>
+          <p:cNvSpPr/>
+          <p:nvPr/>
+        </p:nvSpPr>
+        <p:spPr>
+          <a:xfrm>
+            <a:off x="1581380" y="4495914"/>
+            <a:ext cx="2121565" cy="1008185"/>
+          </a:xfrm>
+          <a:prstGeom prst="rightArrow">
+            <a:avLst/>
+          </a:prstGeom>
+        </p:spPr>
+        <p:style>
+          <a:lnRef idx="2">
+            <a:schemeClr val="accent1">
+              <a:shade val="15000"/>
+            </a:schemeClr>
+          </a:lnRef>
+          <a:fillRef idx="1">
+            <a:schemeClr val="accent1"/>
+          </a:fillRef>
+          <a:effectRef idx="0">
+            <a:schemeClr val="accent1"/>
+          </a:effectRef>
+          <a:fontRef idx="minor">
+            <a:schemeClr val="lt1"/>
+          </a:fontRef>
+        </p:style>
+        <p:txBody>
+          <a:bodyPr rtlCol="0" anchor="ctr"/>
+          <a:lstStyle/>
+          <a:p>
+            <a:pPr algn="ctr"/>
+            <a:endParaRPr lang="en-US"/>
+          </a:p>
+        </p:txBody>
+      </p:sp>
+      <p:sp>
+        <p:nvSpPr>
+          <p:cNvPr id="7" name="TextBox 6">
+            <a:extLst>
+              <a:ext uri="{FF2B5EF4-FFF2-40B4-BE49-F238E27FC236}">
+                <a16:creationId xmlns:a16="http://schemas.microsoft.com/office/drawing/2014/main" id="{A35BA39B-FA69-AD9B-E7C5-90346CCFEA04}"/>
+              </a:ext>
+            </a:extLst>
+          </p:cNvPr>
+          <p:cNvSpPr txBox="1"/>
+          <p:nvPr/>
+        </p:nvSpPr>
+        <p:spPr>
+          <a:xfrm>
+            <a:off x="175846" y="246185"/>
+            <a:ext cx="3331446" cy="461665"/>
+          </a:xfrm>
+          <a:prstGeom prst="rect">
+            <a:avLst/>
+          </a:prstGeom>
+          <a:noFill/>
+        </p:spPr>
+        <p:txBody>
+          <a:bodyPr wrap="square" rtlCol="0">
+            <a:spAutoFit/>
+          </a:bodyPr>
+          <a:lstStyle/>
+          <a:p>
+            <a:r>
+              <a:rPr lang="en-US" sz="2400" dirty="0"/>
+              <a:t>using </a:t>
+            </a:r>
+          </a:p>
+        </p:txBody>
+      </p:sp>
     </p:spTree>
     <p:extLst>
       <p:ext uri="{BB962C8B-B14F-4D97-AF65-F5344CB8AC3E}">
@@ -3587,10 +4081,591 @@
           <a:chExt cx="0" cy="0"/>
         </a:xfrm>
       </p:grpSpPr>
+      <p:sp>
+        <p:nvSpPr>
+          <p:cNvPr id="2" name="TextBox 1">
+            <a:extLst>
+              <a:ext uri="{FF2B5EF4-FFF2-40B4-BE49-F238E27FC236}">
+                <a16:creationId xmlns:a16="http://schemas.microsoft.com/office/drawing/2014/main" id="{CFAE9D5B-946F-AE9C-382E-398D5EDF3015}"/>
+              </a:ext>
+            </a:extLst>
+          </p:cNvPr>
+          <p:cNvSpPr txBox="1"/>
+          <p:nvPr/>
+        </p:nvSpPr>
+        <p:spPr>
+          <a:xfrm>
+            <a:off x="175845" y="246185"/>
+            <a:ext cx="5627077" cy="461665"/>
+          </a:xfrm>
+          <a:prstGeom prst="rect">
+            <a:avLst/>
+          </a:prstGeom>
+          <a:noFill/>
+        </p:spPr>
+        <p:txBody>
+          <a:bodyPr wrap="square" rtlCol="0">
+            <a:spAutoFit/>
+          </a:bodyPr>
+          <a:lstStyle/>
+          <a:p>
+            <a:r>
+              <a:rPr lang="en-US" sz="2400" dirty="0"/>
+              <a:t>Adding additional functionality to a slice </a:t>
+            </a:r>
+          </a:p>
+        </p:txBody>
+      </p:sp>
+      <p:pic>
+        <p:nvPicPr>
+          <p:cNvPr id="8" name="Picture 7">
+            <a:extLst>
+              <a:ext uri="{FF2B5EF4-FFF2-40B4-BE49-F238E27FC236}">
+                <a16:creationId xmlns:a16="http://schemas.microsoft.com/office/drawing/2014/main" id="{D8A2A0CD-9AED-1961-5DC7-1C4D5E32C4C3}"/>
+              </a:ext>
+            </a:extLst>
+          </p:cNvPr>
+          <p:cNvPicPr>
+            <a:picLocks noChangeAspect="1"/>
+          </p:cNvPicPr>
+          <p:nvPr/>
+        </p:nvPicPr>
+        <p:blipFill>
+          <a:blip r:embed="rId2"/>
+          <a:stretch>
+            <a:fillRect/>
+          </a:stretch>
+        </p:blipFill>
+        <p:spPr>
+          <a:xfrm>
+            <a:off x="4349260" y="1407162"/>
+            <a:ext cx="6823822" cy="4301975"/>
+          </a:xfrm>
+          <a:prstGeom prst="rect">
+            <a:avLst/>
+          </a:prstGeom>
+        </p:spPr>
+      </p:pic>
+      <p:sp>
+        <p:nvSpPr>
+          <p:cNvPr id="11" name="TextBox 10">
+            <a:extLst>
+              <a:ext uri="{FF2B5EF4-FFF2-40B4-BE49-F238E27FC236}">
+                <a16:creationId xmlns:a16="http://schemas.microsoft.com/office/drawing/2014/main" id="{88A47979-D774-6682-B293-F074C241CA2D}"/>
+              </a:ext>
+            </a:extLst>
+          </p:cNvPr>
+          <p:cNvSpPr txBox="1"/>
+          <p:nvPr/>
+        </p:nvSpPr>
+        <p:spPr>
+          <a:xfrm>
+            <a:off x="304800" y="2121877"/>
+            <a:ext cx="3741730" cy="923330"/>
+          </a:xfrm>
+          <a:prstGeom prst="rect">
+            <a:avLst/>
+          </a:prstGeom>
+          <a:noFill/>
+        </p:spPr>
+        <p:txBody>
+          <a:bodyPr wrap="none" rtlCol="0">
+            <a:spAutoFit/>
+          </a:bodyPr>
+          <a:lstStyle/>
+          <a:p>
+            <a:r>
+              <a:rPr lang="en-US" dirty="0"/>
+              <a:t>In the slice file</a:t>
+            </a:r>
+          </a:p>
+          <a:p>
+            <a:endParaRPr lang="en-US" dirty="0"/>
+          </a:p>
+          <a:p>
+            <a:r>
+              <a:rPr lang="en-US" dirty="0"/>
+              <a:t>The action carries a payload (variable)</a:t>
+            </a:r>
+          </a:p>
+        </p:txBody>
+      </p:sp>
+      <p:sp>
+        <p:nvSpPr>
+          <p:cNvPr id="12" name="Arrow: Right 11">
+            <a:extLst>
+              <a:ext uri="{FF2B5EF4-FFF2-40B4-BE49-F238E27FC236}">
+                <a16:creationId xmlns:a16="http://schemas.microsoft.com/office/drawing/2014/main" id="{DF6BA941-0E9C-0E20-3AA2-90FB9F38A4FD}"/>
+              </a:ext>
+            </a:extLst>
+          </p:cNvPr>
+          <p:cNvSpPr/>
+          <p:nvPr/>
+        </p:nvSpPr>
+        <p:spPr>
+          <a:xfrm>
+            <a:off x="2788851" y="3632757"/>
+            <a:ext cx="1770184" cy="867508"/>
+          </a:xfrm>
+          <a:prstGeom prst="rightArrow">
+            <a:avLst/>
+          </a:prstGeom>
+        </p:spPr>
+        <p:style>
+          <a:lnRef idx="2">
+            <a:schemeClr val="accent1">
+              <a:shade val="15000"/>
+            </a:schemeClr>
+          </a:lnRef>
+          <a:fillRef idx="1">
+            <a:schemeClr val="accent1"/>
+          </a:fillRef>
+          <a:effectRef idx="0">
+            <a:schemeClr val="accent1"/>
+          </a:effectRef>
+          <a:fontRef idx="minor">
+            <a:schemeClr val="lt1"/>
+          </a:fontRef>
+        </p:style>
+        <p:txBody>
+          <a:bodyPr rtlCol="0" anchor="ctr"/>
+          <a:lstStyle/>
+          <a:p>
+            <a:pPr algn="ctr"/>
+            <a:endParaRPr lang="en-US"/>
+          </a:p>
+        </p:txBody>
+      </p:sp>
     </p:spTree>
     <p:extLst>
       <p:ext uri="{BB962C8B-B14F-4D97-AF65-F5344CB8AC3E}">
         <p14:creationId xmlns:p14="http://schemas.microsoft.com/office/powerpoint/2010/main" val="2650957837"/>
+      </p:ext>
+    </p:extLst>
+  </p:cSld>
+  <p:clrMapOvr>
+    <a:masterClrMapping/>
+  </p:clrMapOvr>
+</p:sld>
+</file>
+
+<file path=ppt/slides/slide14.xml><?xml version="1.0" encoding="utf-8"?>
+<p:sld xmlns:a="http://schemas.openxmlformats.org/drawingml/2006/main" xmlns:r="http://schemas.openxmlformats.org/officeDocument/2006/relationships" xmlns:p="http://schemas.openxmlformats.org/presentationml/2006/main">
+  <p:cSld>
+    <p:spTree>
+      <p:nvGrpSpPr>
+        <p:cNvPr id="1" name=""/>
+        <p:cNvGrpSpPr/>
+        <p:nvPr/>
+      </p:nvGrpSpPr>
+      <p:grpSpPr>
+        <a:xfrm>
+          <a:off x="0" y="0"/>
+          <a:ext cx="0" cy="0"/>
+          <a:chOff x="0" y="0"/>
+          <a:chExt cx="0" cy="0"/>
+        </a:xfrm>
+      </p:grpSpPr>
+      <p:pic>
+        <p:nvPicPr>
+          <p:cNvPr id="3" name="Picture 2">
+            <a:extLst>
+              <a:ext uri="{FF2B5EF4-FFF2-40B4-BE49-F238E27FC236}">
+                <a16:creationId xmlns:a16="http://schemas.microsoft.com/office/drawing/2014/main" id="{B6B48585-176D-6EE0-531B-7A327017F9FB}"/>
+              </a:ext>
+            </a:extLst>
+          </p:cNvPr>
+          <p:cNvPicPr>
+            <a:picLocks noChangeAspect="1"/>
+          </p:cNvPicPr>
+          <p:nvPr/>
+        </p:nvPicPr>
+        <p:blipFill>
+          <a:blip r:embed="rId2"/>
+          <a:stretch>
+            <a:fillRect/>
+          </a:stretch>
+        </p:blipFill>
+        <p:spPr>
+          <a:xfrm>
+            <a:off x="1994703" y="1899138"/>
+            <a:ext cx="10022495" cy="4700954"/>
+          </a:xfrm>
+          <a:prstGeom prst="rect">
+            <a:avLst/>
+          </a:prstGeom>
+        </p:spPr>
+      </p:pic>
+      <p:sp>
+        <p:nvSpPr>
+          <p:cNvPr id="4" name="TextBox 3">
+            <a:extLst>
+              <a:ext uri="{FF2B5EF4-FFF2-40B4-BE49-F238E27FC236}">
+                <a16:creationId xmlns:a16="http://schemas.microsoft.com/office/drawing/2014/main" id="{5532BA5B-1304-721A-5080-748109614941}"/>
+              </a:ext>
+            </a:extLst>
+          </p:cNvPr>
+          <p:cNvSpPr txBox="1"/>
+          <p:nvPr/>
+        </p:nvSpPr>
+        <p:spPr>
+          <a:xfrm>
+            <a:off x="175845" y="246185"/>
+            <a:ext cx="5627077" cy="461665"/>
+          </a:xfrm>
+          <a:prstGeom prst="rect">
+            <a:avLst/>
+          </a:prstGeom>
+          <a:noFill/>
+        </p:spPr>
+        <p:txBody>
+          <a:bodyPr wrap="square" rtlCol="0">
+            <a:spAutoFit/>
+          </a:bodyPr>
+          <a:lstStyle/>
+          <a:p>
+            <a:r>
+              <a:rPr lang="en-US" sz="2400" dirty="0"/>
+              <a:t>Adding additional functionality to a slice </a:t>
+            </a:r>
+          </a:p>
+        </p:txBody>
+      </p:sp>
+      <p:sp>
+        <p:nvSpPr>
+          <p:cNvPr id="5" name="TextBox 4">
+            <a:extLst>
+              <a:ext uri="{FF2B5EF4-FFF2-40B4-BE49-F238E27FC236}">
+                <a16:creationId xmlns:a16="http://schemas.microsoft.com/office/drawing/2014/main" id="{4DABF2F7-B27E-699A-09B6-C321173AC2EF}"/>
+              </a:ext>
+            </a:extLst>
+          </p:cNvPr>
+          <p:cNvSpPr txBox="1"/>
+          <p:nvPr/>
+        </p:nvSpPr>
+        <p:spPr>
+          <a:xfrm>
+            <a:off x="288104" y="3890391"/>
+            <a:ext cx="1594340" cy="923330"/>
+          </a:xfrm>
+          <a:prstGeom prst="rect">
+            <a:avLst/>
+          </a:prstGeom>
+          <a:noFill/>
+        </p:spPr>
+        <p:txBody>
+          <a:bodyPr wrap="square" rtlCol="0">
+            <a:spAutoFit/>
+          </a:bodyPr>
+          <a:lstStyle/>
+          <a:p>
+            <a:r>
+              <a:rPr lang="en-US" dirty="0"/>
+              <a:t>This is passing a value to the store</a:t>
+            </a:r>
+          </a:p>
+        </p:txBody>
+      </p:sp>
+      <p:sp>
+        <p:nvSpPr>
+          <p:cNvPr id="6" name="Arrow: Right 5">
+            <a:extLst>
+              <a:ext uri="{FF2B5EF4-FFF2-40B4-BE49-F238E27FC236}">
+                <a16:creationId xmlns:a16="http://schemas.microsoft.com/office/drawing/2014/main" id="{32B98105-B6D8-9704-7A97-F3995DE659D0}"/>
+              </a:ext>
+            </a:extLst>
+          </p:cNvPr>
+          <p:cNvSpPr/>
+          <p:nvPr/>
+        </p:nvSpPr>
+        <p:spPr>
+          <a:xfrm>
+            <a:off x="890953" y="5638800"/>
+            <a:ext cx="1338211" cy="973015"/>
+          </a:xfrm>
+          <a:prstGeom prst="rightArrow">
+            <a:avLst/>
+          </a:prstGeom>
+        </p:spPr>
+        <p:style>
+          <a:lnRef idx="2">
+            <a:schemeClr val="accent1">
+              <a:shade val="15000"/>
+            </a:schemeClr>
+          </a:lnRef>
+          <a:fillRef idx="1">
+            <a:schemeClr val="accent1"/>
+          </a:fillRef>
+          <a:effectRef idx="0">
+            <a:schemeClr val="accent1"/>
+          </a:effectRef>
+          <a:fontRef idx="minor">
+            <a:schemeClr val="lt1"/>
+          </a:fontRef>
+        </p:style>
+        <p:txBody>
+          <a:bodyPr rtlCol="0" anchor="ctr"/>
+          <a:lstStyle/>
+          <a:p>
+            <a:pPr algn="ctr"/>
+            <a:endParaRPr lang="en-US"/>
+          </a:p>
+        </p:txBody>
+      </p:sp>
+      <p:sp>
+        <p:nvSpPr>
+          <p:cNvPr id="7" name="TextBox 6">
+            <a:extLst>
+              <a:ext uri="{FF2B5EF4-FFF2-40B4-BE49-F238E27FC236}">
+                <a16:creationId xmlns:a16="http://schemas.microsoft.com/office/drawing/2014/main" id="{3E674D5B-3382-2D00-BD73-2792555DA873}"/>
+              </a:ext>
+            </a:extLst>
+          </p:cNvPr>
+          <p:cNvSpPr txBox="1"/>
+          <p:nvPr/>
+        </p:nvSpPr>
+        <p:spPr>
+          <a:xfrm>
+            <a:off x="348098" y="1301933"/>
+            <a:ext cx="3293209" cy="369332"/>
+          </a:xfrm>
+          <a:prstGeom prst="rect">
+            <a:avLst/>
+          </a:prstGeom>
+          <a:noFill/>
+        </p:spPr>
+        <p:txBody>
+          <a:bodyPr wrap="none" rtlCol="0">
+            <a:spAutoFit/>
+          </a:bodyPr>
+          <a:lstStyle/>
+          <a:p>
+            <a:r>
+              <a:rPr lang="en-US" dirty="0"/>
+              <a:t>Sending a variable as a “payload”</a:t>
+            </a:r>
+          </a:p>
+        </p:txBody>
+      </p:sp>
+    </p:spTree>
+    <p:extLst>
+      <p:ext uri="{BB962C8B-B14F-4D97-AF65-F5344CB8AC3E}">
+        <p14:creationId xmlns:p14="http://schemas.microsoft.com/office/powerpoint/2010/main" val="2379563855"/>
+      </p:ext>
+    </p:extLst>
+  </p:cSld>
+  <p:clrMapOvr>
+    <a:masterClrMapping/>
+  </p:clrMapOvr>
+</p:sld>
+</file>
+
+<file path=ppt/slides/slide15.xml><?xml version="1.0" encoding="utf-8"?>
+<p:sld xmlns:a="http://schemas.openxmlformats.org/drawingml/2006/main" xmlns:r="http://schemas.openxmlformats.org/officeDocument/2006/relationships" xmlns:p="http://schemas.openxmlformats.org/presentationml/2006/main">
+  <p:cSld>
+    <p:spTree>
+      <p:nvGrpSpPr>
+        <p:cNvPr id="1" name=""/>
+        <p:cNvGrpSpPr/>
+        <p:nvPr/>
+      </p:nvGrpSpPr>
+      <p:grpSpPr>
+        <a:xfrm>
+          <a:off x="0" y="0"/>
+          <a:ext cx="0" cy="0"/>
+          <a:chOff x="0" y="0"/>
+          <a:chExt cx="0" cy="0"/>
+        </a:xfrm>
+      </p:grpSpPr>
+      <p:sp>
+        <p:nvSpPr>
+          <p:cNvPr id="2" name="TextBox 1">
+            <a:extLst>
+              <a:ext uri="{FF2B5EF4-FFF2-40B4-BE49-F238E27FC236}">
+                <a16:creationId xmlns:a16="http://schemas.microsoft.com/office/drawing/2014/main" id="{CFAE9D5B-946F-AE9C-382E-398D5EDF3015}"/>
+              </a:ext>
+            </a:extLst>
+          </p:cNvPr>
+          <p:cNvSpPr txBox="1"/>
+          <p:nvPr/>
+        </p:nvSpPr>
+        <p:spPr>
+          <a:xfrm>
+            <a:off x="175845" y="246185"/>
+            <a:ext cx="5627077" cy="461665"/>
+          </a:xfrm>
+          <a:prstGeom prst="rect">
+            <a:avLst/>
+          </a:prstGeom>
+          <a:noFill/>
+        </p:spPr>
+        <p:txBody>
+          <a:bodyPr wrap="square" rtlCol="0">
+            <a:spAutoFit/>
+          </a:bodyPr>
+          <a:lstStyle/>
+          <a:p>
+            <a:r>
+              <a:rPr lang="en-US" sz="2400" dirty="0"/>
+              <a:t>Adding additional functionality to a slice </a:t>
+            </a:r>
+          </a:p>
+        </p:txBody>
+      </p:sp>
+      <p:pic>
+        <p:nvPicPr>
+          <p:cNvPr id="4" name="Picture 3">
+            <a:extLst>
+              <a:ext uri="{FF2B5EF4-FFF2-40B4-BE49-F238E27FC236}">
+                <a16:creationId xmlns:a16="http://schemas.microsoft.com/office/drawing/2014/main" id="{6710321F-FA6D-7B8E-033E-7FD3A7071BC7}"/>
+              </a:ext>
+            </a:extLst>
+          </p:cNvPr>
+          <p:cNvPicPr>
+            <a:picLocks noChangeAspect="1"/>
+          </p:cNvPicPr>
+          <p:nvPr/>
+        </p:nvPicPr>
+        <p:blipFill>
+          <a:blip r:embed="rId2"/>
+          <a:stretch>
+            <a:fillRect/>
+          </a:stretch>
+        </p:blipFill>
+        <p:spPr>
+          <a:xfrm>
+            <a:off x="206461" y="4208585"/>
+            <a:ext cx="11602558" cy="2500437"/>
+          </a:xfrm>
+          <a:prstGeom prst="rect">
+            <a:avLst/>
+          </a:prstGeom>
+        </p:spPr>
+      </p:pic>
+    </p:spTree>
+    <p:extLst>
+      <p:ext uri="{BB962C8B-B14F-4D97-AF65-F5344CB8AC3E}">
+        <p14:creationId xmlns:p14="http://schemas.microsoft.com/office/powerpoint/2010/main" val="2505473345"/>
+      </p:ext>
+    </p:extLst>
+  </p:cSld>
+  <p:clrMapOvr>
+    <a:masterClrMapping/>
+  </p:clrMapOvr>
+</p:sld>
+</file>
+
+<file path=ppt/slides/slide16.xml><?xml version="1.0" encoding="utf-8"?>
+<p:sld xmlns:a="http://schemas.openxmlformats.org/drawingml/2006/main" xmlns:r="http://schemas.openxmlformats.org/officeDocument/2006/relationships" xmlns:p="http://schemas.openxmlformats.org/presentationml/2006/main">
+  <p:cSld>
+    <p:spTree>
+      <p:nvGrpSpPr>
+        <p:cNvPr id="1" name=""/>
+        <p:cNvGrpSpPr/>
+        <p:nvPr/>
+      </p:nvGrpSpPr>
+      <p:grpSpPr>
+        <a:xfrm>
+          <a:off x="0" y="0"/>
+          <a:ext cx="0" cy="0"/>
+          <a:chOff x="0" y="0"/>
+          <a:chExt cx="0" cy="0"/>
+        </a:xfrm>
+      </p:grpSpPr>
+    </p:spTree>
+    <p:extLst>
+      <p:ext uri="{BB962C8B-B14F-4D97-AF65-F5344CB8AC3E}">
+        <p14:creationId xmlns:p14="http://schemas.microsoft.com/office/powerpoint/2010/main" val="1685150321"/>
+      </p:ext>
+    </p:extLst>
+  </p:cSld>
+  <p:clrMapOvr>
+    <a:masterClrMapping/>
+  </p:clrMapOvr>
+</p:sld>
+</file>
+
+<file path=ppt/slides/slide17.xml><?xml version="1.0" encoding="utf-8"?>
+<p:sld xmlns:a="http://schemas.openxmlformats.org/drawingml/2006/main" xmlns:r="http://schemas.openxmlformats.org/officeDocument/2006/relationships" xmlns:p="http://schemas.openxmlformats.org/presentationml/2006/main">
+  <p:cSld>
+    <p:spTree>
+      <p:nvGrpSpPr>
+        <p:cNvPr id="1" name=""/>
+        <p:cNvGrpSpPr/>
+        <p:nvPr/>
+      </p:nvGrpSpPr>
+      <p:grpSpPr>
+        <a:xfrm>
+          <a:off x="0" y="0"/>
+          <a:ext cx="0" cy="0"/>
+          <a:chOff x="0" y="0"/>
+          <a:chExt cx="0" cy="0"/>
+        </a:xfrm>
+      </p:grpSpPr>
+    </p:spTree>
+    <p:extLst>
+      <p:ext uri="{BB962C8B-B14F-4D97-AF65-F5344CB8AC3E}">
+        <p14:creationId xmlns:p14="http://schemas.microsoft.com/office/powerpoint/2010/main" val="1462293122"/>
+      </p:ext>
+    </p:extLst>
+  </p:cSld>
+  <p:clrMapOvr>
+    <a:masterClrMapping/>
+  </p:clrMapOvr>
+</p:sld>
+</file>
+
+<file path=ppt/slides/slide18.xml><?xml version="1.0" encoding="utf-8"?>
+<p:sld xmlns:a="http://schemas.openxmlformats.org/drawingml/2006/main" xmlns:r="http://schemas.openxmlformats.org/officeDocument/2006/relationships" xmlns:p="http://schemas.openxmlformats.org/presentationml/2006/main">
+  <p:cSld>
+    <p:spTree>
+      <p:nvGrpSpPr>
+        <p:cNvPr id="1" name=""/>
+        <p:cNvGrpSpPr/>
+        <p:nvPr/>
+      </p:nvGrpSpPr>
+      <p:grpSpPr>
+        <a:xfrm>
+          <a:off x="0" y="0"/>
+          <a:ext cx="0" cy="0"/>
+          <a:chOff x="0" y="0"/>
+          <a:chExt cx="0" cy="0"/>
+        </a:xfrm>
+      </p:grpSpPr>
+    </p:spTree>
+    <p:extLst>
+      <p:ext uri="{BB962C8B-B14F-4D97-AF65-F5344CB8AC3E}">
+        <p14:creationId xmlns:p14="http://schemas.microsoft.com/office/powerpoint/2010/main" val="3710602148"/>
+      </p:ext>
+    </p:extLst>
+  </p:cSld>
+  <p:clrMapOvr>
+    <a:masterClrMapping/>
+  </p:clrMapOvr>
+</p:sld>
+</file>
+
+<file path=ppt/slides/slide19.xml><?xml version="1.0" encoding="utf-8"?>
+<p:sld xmlns:a="http://schemas.openxmlformats.org/drawingml/2006/main" xmlns:r="http://schemas.openxmlformats.org/officeDocument/2006/relationships" xmlns:p="http://schemas.openxmlformats.org/presentationml/2006/main">
+  <p:cSld>
+    <p:spTree>
+      <p:nvGrpSpPr>
+        <p:cNvPr id="1" name=""/>
+        <p:cNvGrpSpPr/>
+        <p:nvPr/>
+      </p:nvGrpSpPr>
+      <p:grpSpPr>
+        <a:xfrm>
+          <a:off x="0" y="0"/>
+          <a:ext cx="0" cy="0"/>
+          <a:chOff x="0" y="0"/>
+          <a:chExt cx="0" cy="0"/>
+        </a:xfrm>
+      </p:grpSpPr>
+    </p:spTree>
+    <p:extLst>
+      <p:ext uri="{BB962C8B-B14F-4D97-AF65-F5344CB8AC3E}">
+        <p14:creationId xmlns:p14="http://schemas.microsoft.com/office/powerpoint/2010/main" val="1008581496"/>
       </p:ext>
     </p:extLst>
   </p:cSld>
@@ -3751,6 +4826,96 @@
     <p:extLst>
       <p:ext uri="{BB962C8B-B14F-4D97-AF65-F5344CB8AC3E}">
         <p14:creationId xmlns:p14="http://schemas.microsoft.com/office/powerpoint/2010/main" val="1551547248"/>
+      </p:ext>
+    </p:extLst>
+  </p:cSld>
+  <p:clrMapOvr>
+    <a:masterClrMapping/>
+  </p:clrMapOvr>
+</p:sld>
+</file>
+
+<file path=ppt/slides/slide20.xml><?xml version="1.0" encoding="utf-8"?>
+<p:sld xmlns:a="http://schemas.openxmlformats.org/drawingml/2006/main" xmlns:r="http://schemas.openxmlformats.org/officeDocument/2006/relationships" xmlns:p="http://schemas.openxmlformats.org/presentationml/2006/main">
+  <p:cSld>
+    <p:spTree>
+      <p:nvGrpSpPr>
+        <p:cNvPr id="1" name=""/>
+        <p:cNvGrpSpPr/>
+        <p:nvPr/>
+      </p:nvGrpSpPr>
+      <p:grpSpPr>
+        <a:xfrm>
+          <a:off x="0" y="0"/>
+          <a:ext cx="0" cy="0"/>
+          <a:chOff x="0" y="0"/>
+          <a:chExt cx="0" cy="0"/>
+        </a:xfrm>
+      </p:grpSpPr>
+    </p:spTree>
+    <p:extLst>
+      <p:ext uri="{BB962C8B-B14F-4D97-AF65-F5344CB8AC3E}">
+        <p14:creationId xmlns:p14="http://schemas.microsoft.com/office/powerpoint/2010/main" val="1509784315"/>
+      </p:ext>
+    </p:extLst>
+  </p:cSld>
+  <p:clrMapOvr>
+    <a:masterClrMapping/>
+  </p:clrMapOvr>
+</p:sld>
+</file>
+
+<file path=ppt/slides/slide21.xml><?xml version="1.0" encoding="utf-8"?>
+<p:sld xmlns:a="http://schemas.openxmlformats.org/drawingml/2006/main" xmlns:r="http://schemas.openxmlformats.org/officeDocument/2006/relationships" xmlns:p="http://schemas.openxmlformats.org/presentationml/2006/main">
+  <p:cSld>
+    <p:spTree>
+      <p:nvGrpSpPr>
+        <p:cNvPr id="1" name=""/>
+        <p:cNvGrpSpPr/>
+        <p:nvPr/>
+      </p:nvGrpSpPr>
+      <p:grpSpPr>
+        <a:xfrm>
+          <a:off x="0" y="0"/>
+          <a:ext cx="0" cy="0"/>
+          <a:chOff x="0" y="0"/>
+          <a:chExt cx="0" cy="0"/>
+        </a:xfrm>
+      </p:grpSpPr>
+    </p:spTree>
+    <p:extLst>
+      <p:ext uri="{BB962C8B-B14F-4D97-AF65-F5344CB8AC3E}">
+        <p14:creationId xmlns:p14="http://schemas.microsoft.com/office/powerpoint/2010/main" val="1207464073"/>
+      </p:ext>
+    </p:extLst>
+  </p:cSld>
+  <p:clrMapOvr>
+    <a:masterClrMapping/>
+  </p:clrMapOvr>
+</p:sld>
+</file>
+
+<file path=ppt/slides/slide22.xml><?xml version="1.0" encoding="utf-8"?>
+<p:sld xmlns:a="http://schemas.openxmlformats.org/drawingml/2006/main" xmlns:r="http://schemas.openxmlformats.org/officeDocument/2006/relationships" xmlns:p="http://schemas.openxmlformats.org/presentationml/2006/main">
+  <p:cSld>
+    <p:spTree>
+      <p:nvGrpSpPr>
+        <p:cNvPr id="1" name=""/>
+        <p:cNvGrpSpPr/>
+        <p:nvPr/>
+      </p:nvGrpSpPr>
+      <p:grpSpPr>
+        <a:xfrm>
+          <a:off x="0" y="0"/>
+          <a:ext cx="0" cy="0"/>
+          <a:chOff x="0" y="0"/>
+          <a:chExt cx="0" cy="0"/>
+        </a:xfrm>
+      </p:grpSpPr>
+    </p:spTree>
+    <p:extLst>
+      <p:ext uri="{BB962C8B-B14F-4D97-AF65-F5344CB8AC3E}">
+        <p14:creationId xmlns:p14="http://schemas.microsoft.com/office/powerpoint/2010/main" val="3687478204"/>
       </p:ext>
     </p:extLst>
   </p:cSld>

--- a/redux.pptx
+++ b/redux.pptx
@@ -22,11 +22,6 @@
     <p:sldId id="278" r:id="rId16"/>
     <p:sldId id="270" r:id="rId17"/>
     <p:sldId id="271" r:id="rId18"/>
-    <p:sldId id="272" r:id="rId19"/>
-    <p:sldId id="273" r:id="rId20"/>
-    <p:sldId id="274" r:id="rId21"/>
-    <p:sldId id="275" r:id="rId22"/>
-    <p:sldId id="276" r:id="rId23"/>
   </p:sldIdLst>
   <p:sldSz cx="12192000" cy="6858000"/>
   <p:notesSz cx="6858000" cy="9144000"/>
@@ -3357,7 +3352,7 @@
         <p:spPr>
           <a:xfrm>
             <a:off x="3130062" y="1488831"/>
-            <a:ext cx="6096541" cy="3154710"/>
+            <a:ext cx="6580648" cy="3154710"/>
           </a:xfrm>
           <a:prstGeom prst="rect">
             <a:avLst/>
@@ -3372,11 +3367,58 @@
           <a:p>
             <a:r>
               <a:rPr lang="en-US" sz="19900" dirty="0"/>
-              <a:t>redux</a:t>
-            </a:r>
-          </a:p>
-        </p:txBody>
-      </p:sp>
+              <a:t>Redux</a:t>
+            </a:r>
+          </a:p>
+        </p:txBody>
+      </p:sp>
+      <p:pic>
+        <p:nvPicPr>
+          <p:cNvPr id="1026" name="Picture 2" descr="Redux - A predictable state container for JavaScript apps ...">
+            <a:extLst>
+              <a:ext uri="{FF2B5EF4-FFF2-40B4-BE49-F238E27FC236}">
+                <a16:creationId xmlns:a16="http://schemas.microsoft.com/office/drawing/2014/main" id="{5DE957A5-5ED7-6A27-E256-5F3286DC63AC}"/>
+              </a:ext>
+            </a:extLst>
+          </p:cNvPr>
+          <p:cNvPicPr>
+            <a:picLocks noChangeAspect="1" noChangeArrowheads="1"/>
+          </p:cNvPicPr>
+          <p:nvPr/>
+        </p:nvPicPr>
+        <p:blipFill>
+          <a:blip r:embed="rId2">
+            <a:extLst>
+              <a:ext uri="{28A0092B-C50C-407E-A947-70E740481C1C}">
+                <a14:useLocalDpi xmlns:a14="http://schemas.microsoft.com/office/drawing/2010/main" val="0"/>
+              </a:ext>
+            </a:extLst>
+          </a:blip>
+          <a:srcRect/>
+          <a:stretch>
+            <a:fillRect/>
+          </a:stretch>
+        </p:blipFill>
+        <p:spPr bwMode="auto">
+          <a:xfrm>
+            <a:off x="381000" y="571500"/>
+            <a:ext cx="11430000" cy="5715000"/>
+          </a:xfrm>
+          <a:prstGeom prst="rect">
+            <a:avLst/>
+          </a:prstGeom>
+          <a:noFill/>
+          <a:extLst>
+            <a:ext uri="{909E8E84-426E-40DD-AFC4-6F175D3DCCD1}">
+              <a14:hiddenFill xmlns:a14="http://schemas.microsoft.com/office/drawing/2010/main">
+                <a:solidFill>
+                  <a:srgbClr val="FFFFFF"/>
+                </a:solidFill>
+              </a14:hiddenFill>
+            </a:ext>
+          </a:extLst>
+        </p:spPr>
+      </p:pic>
     </p:spTree>
     <p:extLst>
       <p:ext uri="{BB962C8B-B14F-4D97-AF65-F5344CB8AC3E}">
@@ -4615,66 +4657,6 @@
 </p:sld>
 </file>
 
-<file path=ppt/slides/slide18.xml><?xml version="1.0" encoding="utf-8"?>
-<p:sld xmlns:a="http://schemas.openxmlformats.org/drawingml/2006/main" xmlns:r="http://schemas.openxmlformats.org/officeDocument/2006/relationships" xmlns:p="http://schemas.openxmlformats.org/presentationml/2006/main">
-  <p:cSld>
-    <p:spTree>
-      <p:nvGrpSpPr>
-        <p:cNvPr id="1" name=""/>
-        <p:cNvGrpSpPr/>
-        <p:nvPr/>
-      </p:nvGrpSpPr>
-      <p:grpSpPr>
-        <a:xfrm>
-          <a:off x="0" y="0"/>
-          <a:ext cx="0" cy="0"/>
-          <a:chOff x="0" y="0"/>
-          <a:chExt cx="0" cy="0"/>
-        </a:xfrm>
-      </p:grpSpPr>
-    </p:spTree>
-    <p:extLst>
-      <p:ext uri="{BB962C8B-B14F-4D97-AF65-F5344CB8AC3E}">
-        <p14:creationId xmlns:p14="http://schemas.microsoft.com/office/powerpoint/2010/main" val="3710602148"/>
-      </p:ext>
-    </p:extLst>
-  </p:cSld>
-  <p:clrMapOvr>
-    <a:masterClrMapping/>
-  </p:clrMapOvr>
-</p:sld>
-</file>
-
-<file path=ppt/slides/slide19.xml><?xml version="1.0" encoding="utf-8"?>
-<p:sld xmlns:a="http://schemas.openxmlformats.org/drawingml/2006/main" xmlns:r="http://schemas.openxmlformats.org/officeDocument/2006/relationships" xmlns:p="http://schemas.openxmlformats.org/presentationml/2006/main">
-  <p:cSld>
-    <p:spTree>
-      <p:nvGrpSpPr>
-        <p:cNvPr id="1" name=""/>
-        <p:cNvGrpSpPr/>
-        <p:nvPr/>
-      </p:nvGrpSpPr>
-      <p:grpSpPr>
-        <a:xfrm>
-          <a:off x="0" y="0"/>
-          <a:ext cx="0" cy="0"/>
-          <a:chOff x="0" y="0"/>
-          <a:chExt cx="0" cy="0"/>
-        </a:xfrm>
-      </p:grpSpPr>
-    </p:spTree>
-    <p:extLst>
-      <p:ext uri="{BB962C8B-B14F-4D97-AF65-F5344CB8AC3E}">
-        <p14:creationId xmlns:p14="http://schemas.microsoft.com/office/powerpoint/2010/main" val="1008581496"/>
-      </p:ext>
-    </p:extLst>
-  </p:cSld>
-  <p:clrMapOvr>
-    <a:masterClrMapping/>
-  </p:clrMapOvr>
-</p:sld>
-</file>
-
 <file path=ppt/slides/slide2.xml><?xml version="1.0" encoding="utf-8"?>
 <p:sld xmlns:a="http://schemas.openxmlformats.org/drawingml/2006/main" xmlns:r="http://schemas.openxmlformats.org/officeDocument/2006/relationships" xmlns:p="http://schemas.openxmlformats.org/presentationml/2006/main">
   <p:cSld>
@@ -4826,96 +4808,6 @@
     <p:extLst>
       <p:ext uri="{BB962C8B-B14F-4D97-AF65-F5344CB8AC3E}">
         <p14:creationId xmlns:p14="http://schemas.microsoft.com/office/powerpoint/2010/main" val="1551547248"/>
-      </p:ext>
-    </p:extLst>
-  </p:cSld>
-  <p:clrMapOvr>
-    <a:masterClrMapping/>
-  </p:clrMapOvr>
-</p:sld>
-</file>
-
-<file path=ppt/slides/slide20.xml><?xml version="1.0" encoding="utf-8"?>
-<p:sld xmlns:a="http://schemas.openxmlformats.org/drawingml/2006/main" xmlns:r="http://schemas.openxmlformats.org/officeDocument/2006/relationships" xmlns:p="http://schemas.openxmlformats.org/presentationml/2006/main">
-  <p:cSld>
-    <p:spTree>
-      <p:nvGrpSpPr>
-        <p:cNvPr id="1" name=""/>
-        <p:cNvGrpSpPr/>
-        <p:nvPr/>
-      </p:nvGrpSpPr>
-      <p:grpSpPr>
-        <a:xfrm>
-          <a:off x="0" y="0"/>
-          <a:ext cx="0" cy="0"/>
-          <a:chOff x="0" y="0"/>
-          <a:chExt cx="0" cy="0"/>
-        </a:xfrm>
-      </p:grpSpPr>
-    </p:spTree>
-    <p:extLst>
-      <p:ext uri="{BB962C8B-B14F-4D97-AF65-F5344CB8AC3E}">
-        <p14:creationId xmlns:p14="http://schemas.microsoft.com/office/powerpoint/2010/main" val="1509784315"/>
-      </p:ext>
-    </p:extLst>
-  </p:cSld>
-  <p:clrMapOvr>
-    <a:masterClrMapping/>
-  </p:clrMapOvr>
-</p:sld>
-</file>
-
-<file path=ppt/slides/slide21.xml><?xml version="1.0" encoding="utf-8"?>
-<p:sld xmlns:a="http://schemas.openxmlformats.org/drawingml/2006/main" xmlns:r="http://schemas.openxmlformats.org/officeDocument/2006/relationships" xmlns:p="http://schemas.openxmlformats.org/presentationml/2006/main">
-  <p:cSld>
-    <p:spTree>
-      <p:nvGrpSpPr>
-        <p:cNvPr id="1" name=""/>
-        <p:cNvGrpSpPr/>
-        <p:nvPr/>
-      </p:nvGrpSpPr>
-      <p:grpSpPr>
-        <a:xfrm>
-          <a:off x="0" y="0"/>
-          <a:ext cx="0" cy="0"/>
-          <a:chOff x="0" y="0"/>
-          <a:chExt cx="0" cy="0"/>
-        </a:xfrm>
-      </p:grpSpPr>
-    </p:spTree>
-    <p:extLst>
-      <p:ext uri="{BB962C8B-B14F-4D97-AF65-F5344CB8AC3E}">
-        <p14:creationId xmlns:p14="http://schemas.microsoft.com/office/powerpoint/2010/main" val="1207464073"/>
-      </p:ext>
-    </p:extLst>
-  </p:cSld>
-  <p:clrMapOvr>
-    <a:masterClrMapping/>
-  </p:clrMapOvr>
-</p:sld>
-</file>
-
-<file path=ppt/slides/slide22.xml><?xml version="1.0" encoding="utf-8"?>
-<p:sld xmlns:a="http://schemas.openxmlformats.org/drawingml/2006/main" xmlns:r="http://schemas.openxmlformats.org/officeDocument/2006/relationships" xmlns:p="http://schemas.openxmlformats.org/presentationml/2006/main">
-  <p:cSld>
-    <p:spTree>
-      <p:nvGrpSpPr>
-        <p:cNvPr id="1" name=""/>
-        <p:cNvGrpSpPr/>
-        <p:nvPr/>
-      </p:nvGrpSpPr>
-      <p:grpSpPr>
-        <a:xfrm>
-          <a:off x="0" y="0"/>
-          <a:ext cx="0" cy="0"/>
-          <a:chOff x="0" y="0"/>
-          <a:chExt cx="0" cy="0"/>
-        </a:xfrm>
-      </p:grpSpPr>
-    </p:spTree>
-    <p:extLst>
-      <p:ext uri="{BB962C8B-B14F-4D97-AF65-F5344CB8AC3E}">
-        <p14:creationId xmlns:p14="http://schemas.microsoft.com/office/powerpoint/2010/main" val="3687478204"/>
       </p:ext>
     </p:extLst>
   </p:cSld>
@@ -5226,6 +5118,41 @@
           </a:prstGeom>
         </p:spPr>
       </p:pic>
+      <p:sp>
+        <p:nvSpPr>
+          <p:cNvPr id="7" name="TextBox 6">
+            <a:extLst>
+              <a:ext uri="{FF2B5EF4-FFF2-40B4-BE49-F238E27FC236}">
+                <a16:creationId xmlns:a16="http://schemas.microsoft.com/office/drawing/2014/main" id="{C09CDEE6-CD3D-D877-B5B3-AA169BD48B4D}"/>
+              </a:ext>
+            </a:extLst>
+          </p:cNvPr>
+          <p:cNvSpPr txBox="1"/>
+          <p:nvPr/>
+        </p:nvSpPr>
+        <p:spPr>
+          <a:xfrm>
+            <a:off x="175846" y="246185"/>
+            <a:ext cx="2637692" cy="461665"/>
+          </a:xfrm>
+          <a:prstGeom prst="rect">
+            <a:avLst/>
+          </a:prstGeom>
+          <a:noFill/>
+        </p:spPr>
+        <p:txBody>
+          <a:bodyPr wrap="square" rtlCol="0">
+            <a:spAutoFit/>
+          </a:bodyPr>
+          <a:lstStyle/>
+          <a:p>
+            <a:r>
+              <a:rPr lang="en-US" sz="2400" dirty="0"/>
+              <a:t>setup</a:t>
+            </a:r>
+          </a:p>
+        </p:txBody>
+      </p:sp>
     </p:spTree>
     <p:extLst>
       <p:ext uri="{BB962C8B-B14F-4D97-AF65-F5344CB8AC3E}">

--- a/redux.pptx
+++ b/redux.pptx
@@ -120,7 +120,68 @@
       </a:defRPr>
     </a:lvl9pPr>
   </p:defaultTextStyle>
+  <p:extLst>
+    <p:ext uri="{EFAFB233-063F-42B5-8137-9DF3F51BA10A}">
+      <p15:sldGuideLst xmlns:p15="http://schemas.microsoft.com/office/powerpoint/2012/main"/>
+    </p:ext>
+  </p:extLst>
 </p:presentation>
+</file>
+
+<file path=ppt/ink/ink1.xml><?xml version="1.0" encoding="utf-8"?>
+<inkml:ink xmlns:inkml="http://www.w3.org/2003/InkML">
+  <inkml:definitions>
+    <inkml:context xml:id="ctx0">
+      <inkml:inkSource xml:id="inkSrc0">
+        <inkml:traceFormat>
+          <inkml:channel name="X" type="integer" min="-2.14748E9" max="2.14748E9" units="cm"/>
+          <inkml:channel name="Y" type="integer" min="-2.14748E9" max="2.14748E9" units="cm"/>
+          <inkml:channel name="F" type="integer" max="32767" units="dev"/>
+        </inkml:traceFormat>
+        <inkml:channelProperties>
+          <inkml:channelProperty channel="X" name="resolution" value="1000" units="1/cm"/>
+          <inkml:channelProperty channel="Y" name="resolution" value="1000" units="1/cm"/>
+          <inkml:channelProperty channel="F" name="resolution" value="0" units="1/dev"/>
+        </inkml:channelProperties>
+      </inkml:inkSource>
+      <inkml:timestamp xml:id="ts0" timeString="2023-12-15T17:13:53.217"/>
+    </inkml:context>
+    <inkml:brush xml:id="br0">
+      <inkml:brushProperty name="width" value="0.05" units="cm"/>
+      <inkml:brushProperty name="height" value="0.05" units="cm"/>
+      <inkml:brushProperty name="color" value="#E71224"/>
+    </inkml:brush>
+  </inkml:definitions>
+  <inkml:trace contextRef="#ctx0" brushRef="#br0">0 69 24575,'120'2'0,"137"-5"0,-116-16 0,-49 5 0,-2 0 0,-39 6 0,69-4 0,328 12 0,-200 1 0,-168 4 0,-1 2 0,81 19 0,37 5 0,141 19 0,-251-36 0,-15-1 0,-33-5 0,1-1 0,45 0 0,387-6 0,-208-3 0,-242 3 0,0 2 0,0 0 0,23 7 0,-19-4 0,-1-2 0,26 3 0,107 9 0,40 2 0,-163-17 0,1-2 0,0-1 0,48-10 0,18-5-1365,-72 15-5461</inkml:trace>
+</inkml:ink>
+</file>
+
+<file path=ppt/ink/ink2.xml><?xml version="1.0" encoding="utf-8"?>
+<inkml:ink xmlns:inkml="http://www.w3.org/2003/InkML">
+  <inkml:definitions>
+    <inkml:context xml:id="ctx0">
+      <inkml:inkSource xml:id="inkSrc0">
+        <inkml:traceFormat>
+          <inkml:channel name="X" type="integer" min="-2.14748E9" max="2.14748E9" units="cm"/>
+          <inkml:channel name="Y" type="integer" min="-2.14748E9" max="2.14748E9" units="cm"/>
+          <inkml:channel name="F" type="integer" max="32767" units="dev"/>
+        </inkml:traceFormat>
+        <inkml:channelProperties>
+          <inkml:channelProperty channel="X" name="resolution" value="1000" units="1/cm"/>
+          <inkml:channelProperty channel="Y" name="resolution" value="1000" units="1/cm"/>
+          <inkml:channelProperty channel="F" name="resolution" value="0" units="1/dev"/>
+        </inkml:channelProperties>
+      </inkml:inkSource>
+      <inkml:timestamp xml:id="ts0" timeString="2023-12-15T17:14:03.454"/>
+    </inkml:context>
+    <inkml:brush xml:id="br0">
+      <inkml:brushProperty name="width" value="0.05" units="cm"/>
+      <inkml:brushProperty name="height" value="0.05" units="cm"/>
+      <inkml:brushProperty name="color" value="#E71224"/>
+    </inkml:brush>
+  </inkml:definitions>
+  <inkml:trace contextRef="#ctx0" brushRef="#br0">0 0 24575,'1'11'0,"0"0"0,1-1 0,0 1 0,0-1 0,1 1 0,0-1 0,1 0 0,0 0 0,1-1 0,0 1 0,1-1 0,6 10 0,13 13 0,56 55 0,-29-33 0,337 350 0,-339-357 0,94 90 0,207 150 0,117 62 0,-353-252 0,194 211 0,152 157 0,-358-368 0,-12-7 0,-4 5 0,-4 3 0,125 195 0,-143-191 0,4 4 0,86 180 0,-53-34 0,30 38 0,-39-95 0,-82-167 0,8 35 0,9 22 0,-18-56 0,-2 0 0,0 0 0,-2 0 0,-2 1 0,2 33 0,4 26 0,12 213 0,-23 5 0,-2-101 0,3 380 0,0-569 0,1 0 0,0 0 0,2 0 0,0-1 0,0 1 0,2-1 0,0 1 0,0-1 0,2 0 0,0-1 0,1 0 0,14 21 0,17 20 0,36 49 0,97 185 0,43 97 0,-161-278 0,-13-24 0,-38-78 0,0 1 0,0-1 0,0 1 0,-1 0 0,0 0 0,-1 0 0,0 1 0,0-1 0,-1 0 0,1 0 0,-3 15 0,-3 8 0,-16 55 0,7-29 0,-17 70 0,-5-2 0,-71 164 0,-284 472 0,-59-82 0,433-656 0,-166 228 0,131-174 0,-54 112 0,7 33 0,47-111 0,-119 183 0,34-75 0,-80 113 0,169-261 0,-48 94 0,-34 52 0,-5 10 0,116-192 0,1-5 0,-27 33 0,5-7 0,-59 86 0,-72 119 0,154-233 0,-2-1 0,-25 29 0,20-27 0,-24 39 0,34-48 0,-2-1 0,0 0 0,-1-1 0,-1-1 0,-21 16 0,0 1 0,-371 341 0,324-292 0,51-48 0,0-2 0,-60 43 0,84-68 0,-1 0 0,1 1 0,1 0 0,-1 1 0,2 0 0,-1 0 0,1 1 0,-7 13 0,-5 4 0,0-2 0,-48 48 0,42-49 0,2 2 0,-27 38 0,-2 4 0,53-69 0,1 1 0,-1 0 0,0 0 0,1 0 0,-1-1 0,0 1 0,0 0 0,0 0 0,0-1 0,0 1 0,0-1 0,1 1 0,-1-1 0,0 1 0,0-1 0,-1 0 0,1 0 0,0 1 0,0-1 0,0 0 0,0 0 0,0 0 0,0 0 0,0 0 0,0 0 0,0 0 0,0-1 0,0 1 0,0 0 0,0 0 0,0-1 0,0 1 0,0-1 0,0 1 0,0-1 0,0 1 0,0-1 0,0 0 0,0 1 0,1-1 0,-1 0 0,0 0 0,0 0 0,0-1 0,-6-7 0,0 0 0,0 0 0,-8-17 0,3 5 0,1-1 0,9 19 0,1-1 0,-1 1 0,1-1 0,-1 1 0,0 0 0,0 0 0,0 0 0,-1 0 0,-4-4 0,7 7 0,0 0 0,-1 0 0,1 0 0,0 0 0,0 0 0,0 0 0,0 0 0,-1 0 0,1 0 0,0 0 0,0 0 0,0 0 0,0 0 0,-1 0 0,1 0 0,0 0 0,0 0 0,0 0 0,0 0 0,0 1 0,-1-1 0,1 0 0,0 0 0,0 0 0,0 0 0,0 0 0,0 0 0,0 1 0,0-1 0,0 0 0,-1 0 0,1 0 0,0 0 0,0 1 0,0-1 0,0 0 0,0 0 0,0 0 0,0 0 0,0 1 0,0-1 0,0 0 0,0 0 0,0 0 0,0 0 0,0 1 0,0-1 0,0 0 0,0 0 0,1 0 0,-1 0 0,0 0 0,0 1 0,0-1 0,0 0 0,0 0 0,3 13 0,5 3 0,1 0 0,1-1 0,0 0 0,1 0 0,0-1 0,14 12 0,-4-1 0,-12-16 0,0 0 0,0-1 0,1 0 0,0-1 0,1 0 0,-1 0 0,1-1 0,1-1 0,-1 0 0,1 0 0,-1-1 0,1 0 0,1-1 0,-1-1 0,0 0 0,1-1 0,-1 0 0,1 0 0,-1-2 0,24-2 0,32-9 0,-20 4 0,82-24 0,-130 32 0,0 0 0,1 0 0,-1 0 0,0 0 0,0 0 0,0 0 0,0 0 0,1 0 0,-1 0 0,0 0 0,0 0 0,0 0 0,1 0 0,-1 0 0,0 0 0,0 0 0,0 0 0,1-1 0,-1 1 0,0 0 0,0 0 0,0 0 0,0 0 0,0 0 0,1 0 0,-1 0 0,0-1 0,0 1 0,0 0 0,0 0 0,0 0 0,0 0 0,0-1 0,1 1 0,-1 0 0,0 0 0,0 0 0,0 0 0,0-1 0,0 1 0,0 0 0,0 0 0,0 0 0,0-1 0,0 1 0,0 0 0,0 0 0,0 0 0,0-1 0,0 1 0,-13-4 0,-19 1 0,5 3 0,0 2 0,-46 8 0,49-5 0,-1-2 0,1-1 0,-43 0 0,62-3 0,0 1 0,0-1 0,1 0 0,-1 0 0,0 0 0,1 0 0,-1-1 0,1 0 0,0 0 0,-1 0 0,1 0 0,0-1 0,0 0 0,1 0 0,-1 0 0,-6-6 0,6 2 0,-1 0 0,1 0 0,1 0 0,-1 0 0,1 0 0,1-1 0,-1 1 0,1-1 0,-1-9 0,-7-25 0,4 16 0,-6-49 0,11 56 0,-2 0 0,-5-23 0,7 37 0,0 0 0,0 1 0,-1-1 0,0 1 0,1-1 0,-2 1 0,1 0 0,0 0 0,-1 0 0,0 0 0,0 0 0,0 1 0,0-1 0,-6-4 0,8 8 0,0-1 0,1 1 0,-1-1 0,0 1 0,0-1 0,0 1 0,0 0 0,0-1 0,1 1 0,-1 0 0,0 0 0,0-1 0,0 1 0,0 0 0,0 0 0,0 0 0,0 0 0,0 0 0,0 1 0,0-1 0,0 0 0,0 0 0,1 1 0,-1-1 0,0 0 0,0 1 0,0-1 0,-1 1 0,1 1 0,-1-1 0,1 1 0,-1 0 0,1 0 0,0 0 0,0 0 0,0 0 0,0 0 0,0 0 0,0 0 0,-1 3 0,-1 9 0,1-1 0,0 0 0,-1 15 0,3-25 0,-3 135 0,3-120 0,2-1 0,0 1 0,2-1 0,-1 1 0,12 28 0,-14-43 0,1 0 0,-1 0 0,1 0 0,0 0 0,0 0 0,0-1 0,0 1 0,1-1 0,-1 1 0,1-1 0,0 0 0,-1 0 0,1 0 0,5 3 0,-2-2 0,1-1 0,-1 0 0,1 1 0,0-2 0,-1 1 0,14 0 0,4-1 0,0-1 0,0-2 0,26-4 0,-47 6 0,65-12 0,-41 6 0,0 1 0,0 2 0,32-1 0,-95 22 0,10-8 0,0-1 0,-1-1 0,0-1 0,-1-1 0,-54 3 0,66-8 0,-135-4 0,148 3 0,0 0 0,1-1 0,-1 1 0,0-1 0,0 0 0,1 1 0,-1-1 0,0 0 0,1-1 0,-1 1 0,1 0 0,0-1 0,-1 1 0,1-1 0,0 0 0,0 0 0,0 0 0,0 0 0,0 0 0,0 0 0,1-1 0,-3-4 0,3 4 0,0 0 0,0 0 0,0 0 0,1 0 0,0 0 0,0 0 0,-1 0 0,2 0 0,-1-1 0,0 1 0,1 0 0,-1 0 0,1 0 0,0 0 0,0 0 0,0 1 0,0-1 0,1 0 0,-1 0 0,4-4 0,33-62 0,-30 51 0,1 1 0,1 1 0,0-1 0,16-17 0,-23 30-57,71-85-1251,-55 61-5518</inkml:trace>
+</inkml:ink>
 </file>
 
 <file path=ppt/slideLayouts/slideLayout1.xml><?xml version="1.0" encoding="utf-8"?>
@@ -4614,6 +4675,71 @@
           <a:chExt cx="0" cy="0"/>
         </a:xfrm>
       </p:grpSpPr>
+      <p:pic>
+        <p:nvPicPr>
+          <p:cNvPr id="3" name="Picture 2">
+            <a:extLst>
+              <a:ext uri="{FF2B5EF4-FFF2-40B4-BE49-F238E27FC236}">
+                <a16:creationId xmlns:a16="http://schemas.microsoft.com/office/drawing/2014/main" id="{D5258C96-EA3C-8446-2B0B-DBE9992E311A}"/>
+              </a:ext>
+            </a:extLst>
+          </p:cNvPr>
+          <p:cNvPicPr>
+            <a:picLocks noChangeAspect="1"/>
+          </p:cNvPicPr>
+          <p:nvPr/>
+        </p:nvPicPr>
+        <p:blipFill>
+          <a:blip r:embed="rId2"/>
+          <a:stretch>
+            <a:fillRect/>
+          </a:stretch>
+        </p:blipFill>
+        <p:spPr>
+          <a:xfrm>
+            <a:off x="209874" y="2144890"/>
+            <a:ext cx="11736778" cy="2065270"/>
+          </a:xfrm>
+          <a:prstGeom prst="rect">
+            <a:avLst/>
+          </a:prstGeom>
+        </p:spPr>
+      </p:pic>
+      <p:sp>
+        <p:nvSpPr>
+          <p:cNvPr id="4" name="TextBox 3">
+            <a:extLst>
+              <a:ext uri="{FF2B5EF4-FFF2-40B4-BE49-F238E27FC236}">
+                <a16:creationId xmlns:a16="http://schemas.microsoft.com/office/drawing/2014/main" id="{DB3B0FB6-87E7-FF9A-23E6-ED338E569A00}"/>
+              </a:ext>
+            </a:extLst>
+          </p:cNvPr>
+          <p:cNvSpPr txBox="1"/>
+          <p:nvPr/>
+        </p:nvSpPr>
+        <p:spPr>
+          <a:xfrm>
+            <a:off x="214489" y="191911"/>
+            <a:ext cx="2455288" cy="461665"/>
+          </a:xfrm>
+          <a:prstGeom prst="rect">
+            <a:avLst/>
+          </a:prstGeom>
+          <a:noFill/>
+        </p:spPr>
+        <p:txBody>
+          <a:bodyPr wrap="none" rtlCol="0">
+            <a:spAutoFit/>
+          </a:bodyPr>
+          <a:lstStyle/>
+          <a:p>
+            <a:r>
+              <a:rPr lang="en-US" sz="2400" dirty="0"/>
+              <a:t>Chrome extension</a:t>
+            </a:r>
+          </a:p>
+        </p:txBody>
+      </p:sp>
     </p:spTree>
     <p:extLst>
       <p:ext uri="{BB962C8B-B14F-4D97-AF65-F5344CB8AC3E}">
@@ -5007,12 +5133,63 @@
           <a:chExt cx="0" cy="0"/>
         </a:xfrm>
       </p:grpSpPr>
+      <p:sp>
+        <p:nvSpPr>
+          <p:cNvPr id="4" name="TextBox 3">
+            <a:extLst>
+              <a:ext uri="{FF2B5EF4-FFF2-40B4-BE49-F238E27FC236}">
+                <a16:creationId xmlns:a16="http://schemas.microsoft.com/office/drawing/2014/main" id="{02F4FADA-9C8F-E904-453C-B014F810574D}"/>
+              </a:ext>
+            </a:extLst>
+          </p:cNvPr>
+          <p:cNvSpPr txBox="1"/>
+          <p:nvPr/>
+        </p:nvSpPr>
+        <p:spPr>
+          <a:xfrm>
+            <a:off x="351692" y="1781908"/>
+            <a:ext cx="1969477" cy="1200329"/>
+          </a:xfrm>
+          <a:prstGeom prst="rect">
+            <a:avLst/>
+          </a:prstGeom>
+          <a:noFill/>
+        </p:spPr>
+        <p:txBody>
+          <a:bodyPr wrap="square" rtlCol="0">
+            <a:spAutoFit/>
+          </a:bodyPr>
+          <a:lstStyle/>
+          <a:p>
+            <a:r>
+              <a:rPr lang="en-US" dirty="0"/>
+              <a:t>In </a:t>
+            </a:r>
+            <a:r>
+              <a:rPr lang="en-US" dirty="0" err="1"/>
+              <a:t>main.jsx</a:t>
+            </a:r>
+            <a:r>
+              <a:rPr lang="en-US" dirty="0"/>
+              <a:t> or </a:t>
+            </a:r>
+            <a:r>
+              <a:rPr lang="en-US" dirty="0" err="1"/>
+              <a:t>index.jsx</a:t>
+            </a:r>
+            <a:r>
+              <a:rPr lang="en-US" dirty="0"/>
+              <a:t> depending on naming convention</a:t>
+            </a:r>
+          </a:p>
+        </p:txBody>
+      </p:sp>
       <p:pic>
         <p:nvPicPr>
-          <p:cNvPr id="3" name="Picture 2">
-            <a:extLst>
-              <a:ext uri="{FF2B5EF4-FFF2-40B4-BE49-F238E27FC236}">
-                <a16:creationId xmlns:a16="http://schemas.microsoft.com/office/drawing/2014/main" id="{72ACAEFF-0358-FBEC-D3F4-C22473C0B9A6}"/>
+          <p:cNvPr id="6" name="Picture 5">
+            <a:extLst>
+              <a:ext uri="{FF2B5EF4-FFF2-40B4-BE49-F238E27FC236}">
+                <a16:creationId xmlns:a16="http://schemas.microsoft.com/office/drawing/2014/main" id="{DD0FCFE7-F25B-B758-6E74-FB428B208C8C}"/>
               </a:ext>
             </a:extLst>
           </p:cNvPr>
@@ -5029,89 +5206,8 @@
         </p:blipFill>
         <p:spPr>
           <a:xfrm>
-            <a:off x="2645662" y="492370"/>
-            <a:ext cx="8538153" cy="3952848"/>
-          </a:xfrm>
-          <a:prstGeom prst="rect">
-            <a:avLst/>
-          </a:prstGeom>
-        </p:spPr>
-      </p:pic>
-      <p:sp>
-        <p:nvSpPr>
-          <p:cNvPr id="4" name="TextBox 3">
-            <a:extLst>
-              <a:ext uri="{FF2B5EF4-FFF2-40B4-BE49-F238E27FC236}">
-                <a16:creationId xmlns:a16="http://schemas.microsoft.com/office/drawing/2014/main" id="{02F4FADA-9C8F-E904-453C-B014F810574D}"/>
-              </a:ext>
-            </a:extLst>
-          </p:cNvPr>
-          <p:cNvSpPr txBox="1"/>
-          <p:nvPr/>
-        </p:nvSpPr>
-        <p:spPr>
-          <a:xfrm>
-            <a:off x="351692" y="1781908"/>
-            <a:ext cx="1969477" cy="1200329"/>
-          </a:xfrm>
-          <a:prstGeom prst="rect">
-            <a:avLst/>
-          </a:prstGeom>
-          <a:noFill/>
-        </p:spPr>
-        <p:txBody>
-          <a:bodyPr wrap="square" rtlCol="0">
-            <a:spAutoFit/>
-          </a:bodyPr>
-          <a:lstStyle/>
-          <a:p>
-            <a:r>
-              <a:rPr lang="en-US" dirty="0"/>
-              <a:t>In </a:t>
-            </a:r>
-            <a:r>
-              <a:rPr lang="en-US" dirty="0" err="1"/>
-              <a:t>main.jsx</a:t>
-            </a:r>
-            <a:r>
-              <a:rPr lang="en-US" dirty="0"/>
-              <a:t> or </a:t>
-            </a:r>
-            <a:r>
-              <a:rPr lang="en-US" dirty="0" err="1"/>
-              <a:t>index.jsx</a:t>
-            </a:r>
-            <a:r>
-              <a:rPr lang="en-US" dirty="0"/>
-              <a:t> depending on naming convention</a:t>
-            </a:r>
-          </a:p>
-        </p:txBody>
-      </p:sp>
-      <p:pic>
-        <p:nvPicPr>
-          <p:cNvPr id="6" name="Picture 5">
-            <a:extLst>
-              <a:ext uri="{FF2B5EF4-FFF2-40B4-BE49-F238E27FC236}">
-                <a16:creationId xmlns:a16="http://schemas.microsoft.com/office/drawing/2014/main" id="{DD0FCFE7-F25B-B758-6E74-FB428B208C8C}"/>
-              </a:ext>
-            </a:extLst>
-          </p:cNvPr>
-          <p:cNvPicPr>
-            <a:picLocks noChangeAspect="1"/>
-          </p:cNvPicPr>
-          <p:nvPr/>
-        </p:nvPicPr>
-        <p:blipFill>
-          <a:blip r:embed="rId3"/>
-          <a:stretch>
-            <a:fillRect/>
-          </a:stretch>
-        </p:blipFill>
-        <p:spPr>
-          <a:xfrm>
-            <a:off x="262602" y="4106358"/>
-            <a:ext cx="5477639" cy="2734057"/>
+            <a:off x="2578090" y="626824"/>
+            <a:ext cx="9438064" cy="4710826"/>
           </a:xfrm>
           <a:prstGeom prst="rect">
             <a:avLst/>
@@ -5563,6 +5659,108 @@
           </a:p>
         </p:txBody>
       </p:sp>
+      <mc:AlternateContent xmlns:mc="http://schemas.openxmlformats.org/markup-compatibility/2006" xmlns:p14="http://schemas.microsoft.com/office/powerpoint/2010/main">
+        <mc:Choice Requires="p14">
+          <p:contentPart p14:bwMode="auto" r:id="rId3">
+            <p14:nvContentPartPr>
+              <p14:cNvPr id="12" name="Ink 11">
+                <a:extLst>
+                  <a:ext uri="{FF2B5EF4-FFF2-40B4-BE49-F238E27FC236}">
+                    <a16:creationId xmlns:a16="http://schemas.microsoft.com/office/drawing/2014/main" id="{467270E6-CED6-AD81-B6D8-BDB7A9D017DD}"/>
+                  </a:ext>
+                </a:extLst>
+              </p14:cNvPr>
+              <p14:cNvContentPartPr/>
+              <p14:nvPr/>
+            </p14:nvContentPartPr>
+            <p14:xfrm>
+              <a:off x="5462166" y="709086"/>
+              <a:ext cx="1574280" cy="85680"/>
+            </p14:xfrm>
+          </p:contentPart>
+        </mc:Choice>
+        <mc:Fallback xmlns="">
+          <p:pic>
+            <p:nvPicPr>
+              <p:cNvPr id="12" name="Ink 11">
+                <a:extLst>
+                  <a:ext uri="{FF2B5EF4-FFF2-40B4-BE49-F238E27FC236}">
+                    <a16:creationId xmlns:a16="http://schemas.microsoft.com/office/drawing/2014/main" id="{467270E6-CED6-AD81-B6D8-BDB7A9D017DD}"/>
+                  </a:ext>
+                </a:extLst>
+              </p:cNvPr>
+              <p:cNvPicPr/>
+              <p:nvPr/>
+            </p:nvPicPr>
+            <p:blipFill>
+              <a:blip r:embed="rId4"/>
+              <a:stretch>
+                <a:fillRect/>
+              </a:stretch>
+            </p:blipFill>
+            <p:spPr>
+              <a:xfrm>
+                <a:off x="5453166" y="700446"/>
+                <a:ext cx="1591920" cy="103320"/>
+              </a:xfrm>
+              <a:prstGeom prst="rect">
+                <a:avLst/>
+              </a:prstGeom>
+            </p:spPr>
+          </p:pic>
+        </mc:Fallback>
+      </mc:AlternateContent>
+      <mc:AlternateContent xmlns:mc="http://schemas.openxmlformats.org/markup-compatibility/2006" xmlns:p14="http://schemas.microsoft.com/office/powerpoint/2010/main">
+        <mc:Choice Requires="p14">
+          <p:contentPart p14:bwMode="auto" r:id="rId5">
+            <p14:nvContentPartPr>
+              <p14:cNvPr id="13" name="Ink 12">
+                <a:extLst>
+                  <a:ext uri="{FF2B5EF4-FFF2-40B4-BE49-F238E27FC236}">
+                    <a16:creationId xmlns:a16="http://schemas.microsoft.com/office/drawing/2014/main" id="{5C8EEB84-8713-EED6-1FFB-D314715C9E8F}"/>
+                  </a:ext>
+                </a:extLst>
+              </p14:cNvPr>
+              <p14:cNvContentPartPr/>
+              <p14:nvPr/>
+            </p14:nvContentPartPr>
+            <p14:xfrm>
+              <a:off x="6617046" y="769926"/>
+              <a:ext cx="1618920" cy="5114880"/>
+            </p14:xfrm>
+          </p:contentPart>
+        </mc:Choice>
+        <mc:Fallback xmlns="">
+          <p:pic>
+            <p:nvPicPr>
+              <p:cNvPr id="13" name="Ink 12">
+                <a:extLst>
+                  <a:ext uri="{FF2B5EF4-FFF2-40B4-BE49-F238E27FC236}">
+                    <a16:creationId xmlns:a16="http://schemas.microsoft.com/office/drawing/2014/main" id="{5C8EEB84-8713-EED6-1FFB-D314715C9E8F}"/>
+                  </a:ext>
+                </a:extLst>
+              </p:cNvPr>
+              <p:cNvPicPr/>
+              <p:nvPr/>
+            </p:nvPicPr>
+            <p:blipFill>
+              <a:blip r:embed="rId6"/>
+              <a:stretch>
+                <a:fillRect/>
+              </a:stretch>
+            </p:blipFill>
+            <p:spPr>
+              <a:xfrm>
+                <a:off x="6608046" y="760926"/>
+                <a:ext cx="1636560" cy="5132520"/>
+              </a:xfrm>
+              <a:prstGeom prst="rect">
+                <a:avLst/>
+              </a:prstGeom>
+            </p:spPr>
+          </p:pic>
+        </mc:Fallback>
+      </mc:AlternateContent>
     </p:spTree>
     <p:extLst>
       <p:ext uri="{BB962C8B-B14F-4D97-AF65-F5344CB8AC3E}">
